--- a/docs/assets/images/Presentation1.pptx
+++ b/docs/assets/images/Presentation1.pptx
@@ -5,7 +5,7 @@
     <p:sldMasterId id="2147483696" r:id="rId1"/>
   </p:sldMasterIdLst>
   <p:sldIdLst>
-    <p:sldId id="258" r:id="rId2"/>
+    <p:sldId id="259" r:id="rId2"/>
   </p:sldIdLst>
   <p:sldSz cx="8999538" cy="2879725"/>
   <p:notesSz cx="6858000" cy="9144000"/>
@@ -104,6 +104,11 @@
       </a:defRPr>
     </a:lvl9pPr>
   </p:defaultTextStyle>
+  <p:extLst>
+    <p:ext uri="{EFAFB233-063F-42B5-8137-9DF3F51BA10A}">
+      <p15:sldGuideLst xmlns:p15="http://schemas.microsoft.com/office/powerpoint/2012/main"/>
+    </p:ext>
+  </p:extLst>
 </p:presentation>
 </file>
 
@@ -238,7 +243,7 @@
           <a:p>
             <a:fld id="{B0DF86AE-A524-2743-92F3-FE72E16AADF9}" type="datetimeFigureOut">
               <a:rPr lang="en-CH" smtClean="0"/>
-              <a:t>09.01.2025</a:t>
+              <a:t>14.01.2025</a:t>
             </a:fld>
             <a:endParaRPr lang="en-CH"/>
           </a:p>
@@ -408,7 +413,7 @@
           <a:p>
             <a:fld id="{B0DF86AE-A524-2743-92F3-FE72E16AADF9}" type="datetimeFigureOut">
               <a:rPr lang="en-CH" smtClean="0"/>
-              <a:t>09.01.2025</a:t>
+              <a:t>14.01.2025</a:t>
             </a:fld>
             <a:endParaRPr lang="en-CH"/>
           </a:p>
@@ -588,7 +593,7 @@
           <a:p>
             <a:fld id="{B0DF86AE-A524-2743-92F3-FE72E16AADF9}" type="datetimeFigureOut">
               <a:rPr lang="en-CH" smtClean="0"/>
-              <a:t>09.01.2025</a:t>
+              <a:t>14.01.2025</a:t>
             </a:fld>
             <a:endParaRPr lang="en-CH"/>
           </a:p>
@@ -758,7 +763,7 @@
           <a:p>
             <a:fld id="{B0DF86AE-A524-2743-92F3-FE72E16AADF9}" type="datetimeFigureOut">
               <a:rPr lang="en-CH" smtClean="0"/>
-              <a:t>09.01.2025</a:t>
+              <a:t>14.01.2025</a:t>
             </a:fld>
             <a:endParaRPr lang="en-CH"/>
           </a:p>
@@ -1004,7 +1009,7 @@
           <a:p>
             <a:fld id="{B0DF86AE-A524-2743-92F3-FE72E16AADF9}" type="datetimeFigureOut">
               <a:rPr lang="en-CH" smtClean="0"/>
-              <a:t>09.01.2025</a:t>
+              <a:t>14.01.2025</a:t>
             </a:fld>
             <a:endParaRPr lang="en-CH"/>
           </a:p>
@@ -1236,7 +1241,7 @@
           <a:p>
             <a:fld id="{B0DF86AE-A524-2743-92F3-FE72E16AADF9}" type="datetimeFigureOut">
               <a:rPr lang="en-CH" smtClean="0"/>
-              <a:t>09.01.2025</a:t>
+              <a:t>14.01.2025</a:t>
             </a:fld>
             <a:endParaRPr lang="en-CH"/>
           </a:p>
@@ -1603,7 +1608,7 @@
           <a:p>
             <a:fld id="{B0DF86AE-A524-2743-92F3-FE72E16AADF9}" type="datetimeFigureOut">
               <a:rPr lang="en-CH" smtClean="0"/>
-              <a:t>09.01.2025</a:t>
+              <a:t>14.01.2025</a:t>
             </a:fld>
             <a:endParaRPr lang="en-CH"/>
           </a:p>
@@ -1721,7 +1726,7 @@
           <a:p>
             <a:fld id="{B0DF86AE-A524-2743-92F3-FE72E16AADF9}" type="datetimeFigureOut">
               <a:rPr lang="en-CH" smtClean="0"/>
-              <a:t>09.01.2025</a:t>
+              <a:t>14.01.2025</a:t>
             </a:fld>
             <a:endParaRPr lang="en-CH"/>
           </a:p>
@@ -1816,7 +1821,7 @@
           <a:p>
             <a:fld id="{B0DF86AE-A524-2743-92F3-FE72E16AADF9}" type="datetimeFigureOut">
               <a:rPr lang="en-CH" smtClean="0"/>
-              <a:t>09.01.2025</a:t>
+              <a:t>14.01.2025</a:t>
             </a:fld>
             <a:endParaRPr lang="en-CH"/>
           </a:p>
@@ -2093,7 +2098,7 @@
           <a:p>
             <a:fld id="{B0DF86AE-A524-2743-92F3-FE72E16AADF9}" type="datetimeFigureOut">
               <a:rPr lang="en-CH" smtClean="0"/>
-              <a:t>09.01.2025</a:t>
+              <a:t>14.01.2025</a:t>
             </a:fld>
             <a:endParaRPr lang="en-CH"/>
           </a:p>
@@ -2350,7 +2355,7 @@
           <a:p>
             <a:fld id="{B0DF86AE-A524-2743-92F3-FE72E16AADF9}" type="datetimeFigureOut">
               <a:rPr lang="en-CH" smtClean="0"/>
-              <a:t>09.01.2025</a:t>
+              <a:t>14.01.2025</a:t>
             </a:fld>
             <a:endParaRPr lang="en-CH"/>
           </a:p>
@@ -2563,7 +2568,7 @@
           <a:p>
             <a:fld id="{B0DF86AE-A524-2743-92F3-FE72E16AADF9}" type="datetimeFigureOut">
               <a:rPr lang="en-CH" smtClean="0"/>
-              <a:t>09.01.2025</a:t>
+              <a:t>14.01.2025</a:t>
             </a:fld>
             <a:endParaRPr lang="en-CH"/>
           </a:p>
@@ -2959,7 +2964,7 @@
         <p:cNvPr id="1" name="">
           <a:extLst>
             <a:ext uri="{FF2B5EF4-FFF2-40B4-BE49-F238E27FC236}">
-              <a16:creationId xmlns:a16="http://schemas.microsoft.com/office/drawing/2014/main" id="{F33914A6-5916-0E75-D500-49E30C7E0073}"/>
+              <a16:creationId xmlns:a16="http://schemas.microsoft.com/office/drawing/2014/main" id="{809C866C-3B1B-B668-34CF-C53F758E6ACB}"/>
             </a:ext>
           </a:extLst>
         </p:cNvPr>
@@ -2979,7 +2984,7 @@
           <p:cNvPr id="18" name="Picture 17" descr="A blue and red circle with white lines and red dots&#10;&#10;Description automatically generated">
             <a:extLst>
               <a:ext uri="{FF2B5EF4-FFF2-40B4-BE49-F238E27FC236}">
-                <a16:creationId xmlns:a16="http://schemas.microsoft.com/office/drawing/2014/main" id="{CA961985-615C-0FBB-EC41-5C90646C0B9F}"/>
+                <a16:creationId xmlns:a16="http://schemas.microsoft.com/office/drawing/2014/main" id="{9AC8C2A1-4E29-0BF2-45E4-99E929175F41}"/>
               </a:ext>
             </a:extLst>
           </p:cNvPr>
@@ -3009,7 +3014,7 @@
           <p:cNvPr id="19" name="TextBox 18">
             <a:extLst>
               <a:ext uri="{FF2B5EF4-FFF2-40B4-BE49-F238E27FC236}">
-                <a16:creationId xmlns:a16="http://schemas.microsoft.com/office/drawing/2014/main" id="{3EC91D71-419E-A619-99F4-78944E70D4E2}"/>
+                <a16:creationId xmlns:a16="http://schemas.microsoft.com/office/drawing/2014/main" id="{A21F19BE-3408-C0E0-3EC6-A58C03C7CA5A}"/>
               </a:ext>
             </a:extLst>
           </p:cNvPr>
@@ -3060,7 +3065,7 @@
           <p:cNvPr id="20" name="TextBox 19">
             <a:extLst>
               <a:ext uri="{FF2B5EF4-FFF2-40B4-BE49-F238E27FC236}">
-                <a16:creationId xmlns:a16="http://schemas.microsoft.com/office/drawing/2014/main" id="{C93BC01A-07B0-39ED-E020-CECDBFBAC549}"/>
+                <a16:creationId xmlns:a16="http://schemas.microsoft.com/office/drawing/2014/main" id="{939A0868-0818-52AD-08E4-4D7CA3E87DB9}"/>
               </a:ext>
             </a:extLst>
           </p:cNvPr>
@@ -3069,8 +3074,8 @@
         </p:nvSpPr>
         <p:spPr>
           <a:xfrm>
-            <a:off x="2655298" y="1658999"/>
-            <a:ext cx="6097836" cy="769441"/>
+            <a:off x="2739118" y="1658999"/>
+            <a:ext cx="6097836" cy="407804"/>
           </a:xfrm>
           <a:prstGeom prst="rect">
             <a:avLst/>
@@ -3085,7 +3090,7 @@
           <a:p>
             <a:pPr algn="ctr"/>
             <a:r>
-              <a:rPr lang="en-CH" sz="2200" dirty="0">
+              <a:rPr lang="en-CH" sz="2050" dirty="0">
                 <a:solidFill>
                   <a:srgbClr val="13273B"/>
                 </a:solidFill>
@@ -3093,7 +3098,84 @@
                 <a:ea typeface="Ayuthaya" pitchFamily="2" charset="-34"/>
                 <a:cs typeface="Ayuthaya" pitchFamily="2" charset="-34"/>
               </a:rPr>
-              <a:t>Target Haplotype Origin Inference</a:t>
+              <a:t>T</a:t>
+            </a:r>
+            <a:r>
+              <a:rPr lang="en-CH" sz="2050" dirty="0">
+                <a:solidFill>
+                  <a:srgbClr val="25547F"/>
+                </a:solidFill>
+                <a:latin typeface="Gill Sans Ultra Bold" panose="020B0A02020104020203" pitchFamily="34" charset="77"/>
+                <a:ea typeface="Ayuthaya" pitchFamily="2" charset="-34"/>
+                <a:cs typeface="Ayuthaya" pitchFamily="2" charset="-34"/>
+              </a:rPr>
+              <a:t>arget</a:t>
+            </a:r>
+            <a:r>
+              <a:rPr lang="en-CH" sz="2050" dirty="0">
+                <a:solidFill>
+                  <a:srgbClr val="13273B"/>
+                </a:solidFill>
+                <a:latin typeface="Gill Sans Ultra Bold" panose="020B0A02020104020203" pitchFamily="34" charset="77"/>
+                <a:ea typeface="Ayuthaya" pitchFamily="2" charset="-34"/>
+                <a:cs typeface="Ayuthaya" pitchFamily="2" charset="-34"/>
+              </a:rPr>
+              <a:t> H</a:t>
+            </a:r>
+            <a:r>
+              <a:rPr lang="en-CH" sz="2050" dirty="0">
+                <a:solidFill>
+                  <a:srgbClr val="25547F"/>
+                </a:solidFill>
+                <a:latin typeface="Gill Sans Ultra Bold" panose="020B0A02020104020203" pitchFamily="34" charset="77"/>
+                <a:ea typeface="Ayuthaya" pitchFamily="2" charset="-34"/>
+                <a:cs typeface="Ayuthaya" pitchFamily="2" charset="-34"/>
+              </a:rPr>
+              <a:t>aplotype</a:t>
+            </a:r>
+            <a:r>
+              <a:rPr lang="en-CH" sz="2050" dirty="0">
+                <a:solidFill>
+                  <a:srgbClr val="13273B"/>
+                </a:solidFill>
+                <a:latin typeface="Gill Sans Ultra Bold" panose="020B0A02020104020203" pitchFamily="34" charset="77"/>
+                <a:ea typeface="Ayuthaya" pitchFamily="2" charset="-34"/>
+                <a:cs typeface="Ayuthaya" pitchFamily="2" charset="-34"/>
+              </a:rPr>
+              <a:t> Or</a:t>
+            </a:r>
+            <a:r>
+              <a:rPr lang="en-CH" sz="2050" dirty="0">
+                <a:solidFill>
+                  <a:srgbClr val="25547F"/>
+                </a:solidFill>
+                <a:latin typeface="Gill Sans Ultra Bold" panose="020B0A02020104020203" pitchFamily="34" charset="77"/>
+                <a:ea typeface="Ayuthaya" pitchFamily="2" charset="-34"/>
+                <a:cs typeface="Ayuthaya" pitchFamily="2" charset="-34"/>
+              </a:rPr>
+              <a:t>igin</a:t>
+            </a:r>
+            <a:r>
+              <a:rPr lang="en-CH" sz="2050" dirty="0">
+                <a:solidFill>
+                  <a:srgbClr val="13273B"/>
+                </a:solidFill>
+                <a:latin typeface="Gill Sans Ultra Bold" panose="020B0A02020104020203" pitchFamily="34" charset="77"/>
+                <a:ea typeface="Ayuthaya" pitchFamily="2" charset="-34"/>
+                <a:cs typeface="Ayuthaya" pitchFamily="2" charset="-34"/>
+              </a:rPr>
+              <a:t> In</a:t>
+            </a:r>
+            <a:r>
+              <a:rPr lang="en-CH" sz="2050" dirty="0">
+                <a:solidFill>
+                  <a:srgbClr val="25547F"/>
+                </a:solidFill>
+                <a:latin typeface="Gill Sans Ultra Bold" panose="020B0A02020104020203" pitchFamily="34" charset="77"/>
+                <a:ea typeface="Ayuthaya" pitchFamily="2" charset="-34"/>
+                <a:cs typeface="Ayuthaya" pitchFamily="2" charset="-34"/>
+              </a:rPr>
+              <a:t>ference</a:t>
             </a:r>
           </a:p>
         </p:txBody>
@@ -3101,7 +3183,7 @@
     </p:spTree>
     <p:extLst>
       <p:ext uri="{BB962C8B-B14F-4D97-AF65-F5344CB8AC3E}">
-        <p14:creationId xmlns:p14="http://schemas.microsoft.com/office/powerpoint/2010/main" val="880537229"/>
+        <p14:creationId xmlns:p14="http://schemas.microsoft.com/office/powerpoint/2010/main" val="3329814565"/>
       </p:ext>
     </p:extLst>
   </p:cSld>
